--- a/JavaScript/JS UI & DOM/03. KineticJS/KineticJS.pptx
+++ b/JavaScript/JS UI & DOM/03. KineticJS/KineticJS.pptx
@@ -106,7 +106,7 @@
   </p:defaultTextStyle>
   <p:extLst>
     <p:ext uri="{EFAFB233-063F-42B5-8137-9DF3F51BA10A}">
-      <p15:sldGuideLst xmlns:p15="http://schemas.microsoft.com/office/powerpoint/2012/main" xmlns=""/>
+      <p15:sldGuideLst xmlns="" xmlns:p15="http://schemas.microsoft.com/office/powerpoint/2012/main"/>
     </p:ext>
   </p:extLst>
 </p:presentation>
@@ -513,7 +513,7 @@
     </p:spTree>
     <p:extLst>
       <p:ext uri="{BB962C8B-B14F-4D97-AF65-F5344CB8AC3E}">
-        <p14:creationId xmlns:p14="http://schemas.microsoft.com/office/powerpoint/2010/main" xmlns="" val="2842312933"/>
+        <p14:creationId xmlns="" xmlns:p14="http://schemas.microsoft.com/office/powerpoint/2010/main" val="2842312933"/>
       </p:ext>
     </p:extLst>
   </p:cSld>
@@ -818,7 +818,7 @@
     </p:spTree>
     <p:extLst>
       <p:ext uri="{BB962C8B-B14F-4D97-AF65-F5344CB8AC3E}">
-        <p14:creationId xmlns:p14="http://schemas.microsoft.com/office/powerpoint/2010/main" xmlns="" val="3831819921"/>
+        <p14:creationId xmlns="" xmlns:p14="http://schemas.microsoft.com/office/powerpoint/2010/main" val="3831819921"/>
       </p:ext>
     </p:extLst>
   </p:cSld>
@@ -1249,7 +1249,7 @@
     </p:spTree>
     <p:extLst>
       <p:ext uri="{BB962C8B-B14F-4D97-AF65-F5344CB8AC3E}">
-        <p14:creationId xmlns:p14="http://schemas.microsoft.com/office/powerpoint/2010/main" xmlns="" val="2041041533"/>
+        <p14:creationId xmlns="" xmlns:p14="http://schemas.microsoft.com/office/powerpoint/2010/main" val="2041041533"/>
       </p:ext>
     </p:extLst>
   </p:cSld>
@@ -1416,7 +1416,7 @@
     </p:spTree>
     <p:extLst>
       <p:ext uri="{BB962C8B-B14F-4D97-AF65-F5344CB8AC3E}">
-        <p14:creationId xmlns:p14="http://schemas.microsoft.com/office/powerpoint/2010/main" xmlns="" val="171227792"/>
+        <p14:creationId xmlns="" xmlns:p14="http://schemas.microsoft.com/office/powerpoint/2010/main" val="171227792"/>
       </p:ext>
     </p:extLst>
   </p:cSld>
@@ -4071,7 +4071,7 @@
     </p:spTree>
     <p:extLst>
       <p:ext uri="{BB962C8B-B14F-4D97-AF65-F5344CB8AC3E}">
-        <p14:creationId xmlns:p14="http://schemas.microsoft.com/office/powerpoint/2010/main" xmlns="" val="222946617"/>
+        <p14:creationId xmlns="" xmlns:p14="http://schemas.microsoft.com/office/powerpoint/2010/main" val="222946617"/>
       </p:ext>
     </p:extLst>
   </p:cSld>
@@ -4125,7 +4125,7 @@
           <a:blip r:embed="rId7">
             <a:extLst>
               <a:ext uri="{28A0092B-C50C-407E-A947-70E740481C1C}">
-                <a14:useLocalDpi xmlns:a14="http://schemas.microsoft.com/office/drawing/2010/main" xmlns=""/>
+                <a14:useLocalDpi xmlns="" xmlns:a14="http://schemas.microsoft.com/office/drawing/2010/main"/>
               </a:ext>
             </a:extLst>
           </a:blip>
@@ -4145,7 +4145,7 @@
           <a:noFill/>
           <a:extLst>
             <a:ext uri="{909E8E84-426E-40DD-AFC4-6F175D3DCCD1}">
-              <a14:hiddenFill xmlns:a14="http://schemas.microsoft.com/office/drawing/2010/main" xmlns="">
+              <a14:hiddenFill xmlns="" xmlns:a14="http://schemas.microsoft.com/office/drawing/2010/main">
                 <a:solidFill>
                   <a:srgbClr val="FFFFFF"/>
                 </a:solidFill>
@@ -4166,7 +4166,7 @@
           <a:blip r:embed="rId8" cstate="email">
             <a:extLst>
               <a:ext uri="{28A0092B-C50C-407E-A947-70E740481C1C}">
-                <a14:useLocalDpi xmlns:a14="http://schemas.microsoft.com/office/drawing/2010/main" xmlns=""/>
+                <a14:useLocalDpi xmlns="" xmlns:a14="http://schemas.microsoft.com/office/drawing/2010/main"/>
               </a:ext>
             </a:extLst>
           </a:blip>
@@ -4190,14 +4190,14 @@
           <a:effectLst/>
           <a:extLst>
             <a:ext uri="{909E8E84-426E-40DD-AFC4-6F175D3DCCD1}">
-              <a14:hiddenFill xmlns:a14="http://schemas.microsoft.com/office/drawing/2010/main" xmlns="">
+              <a14:hiddenFill xmlns="" xmlns:a14="http://schemas.microsoft.com/office/drawing/2010/main">
                 <a:solidFill>
                   <a:schemeClr val="accent1"/>
                 </a:solidFill>
               </a14:hiddenFill>
             </a:ext>
             <a:ext uri="{91240B29-F687-4F45-9708-019B960494DF}">
-              <a14:hiddenLine xmlns:a14="http://schemas.microsoft.com/office/drawing/2010/main" xmlns="" w="9525">
+              <a14:hiddenLine xmlns="" xmlns:a14="http://schemas.microsoft.com/office/drawing/2010/main" w="9525">
                 <a:solidFill>
                   <a:schemeClr val="tx1"/>
                 </a:solidFill>
@@ -4207,7 +4207,7 @@
               </a14:hiddenLine>
             </a:ext>
             <a:ext uri="{AF507438-7753-43E0-B8FC-AC1667EBCBE1}">
-              <a14:hiddenEffects xmlns:a14="http://schemas.microsoft.com/office/drawing/2010/main" xmlns="">
+              <a14:hiddenEffects xmlns="" xmlns:a14="http://schemas.microsoft.com/office/drawing/2010/main">
                 <a:effectLst>
                   <a:outerShdw dist="35921" dir="2700000" algn="ctr" rotWithShape="0">
                     <a:schemeClr val="bg2"/>
@@ -4230,7 +4230,7 @@
           <a:blip r:embed="rId9" cstate="email">
             <a:extLst>
               <a:ext uri="{28A0092B-C50C-407E-A947-70E740481C1C}">
-                <a14:useLocalDpi xmlns:a14="http://schemas.microsoft.com/office/drawing/2010/main" xmlns=""/>
+                <a14:useLocalDpi xmlns="" xmlns:a14="http://schemas.microsoft.com/office/drawing/2010/main"/>
               </a:ext>
             </a:extLst>
           </a:blip>
@@ -4254,14 +4254,14 @@
           <a:effectLst/>
           <a:extLst>
             <a:ext uri="{909E8E84-426E-40DD-AFC4-6F175D3DCCD1}">
-              <a14:hiddenFill xmlns:a14="http://schemas.microsoft.com/office/drawing/2010/main" xmlns="">
+              <a14:hiddenFill xmlns="" xmlns:a14="http://schemas.microsoft.com/office/drawing/2010/main">
                 <a:solidFill>
                   <a:schemeClr val="accent1"/>
                 </a:solidFill>
               </a14:hiddenFill>
             </a:ext>
             <a:ext uri="{91240B29-F687-4F45-9708-019B960494DF}">
-              <a14:hiddenLine xmlns:a14="http://schemas.microsoft.com/office/drawing/2010/main" xmlns="" w="9525">
+              <a14:hiddenLine xmlns="" xmlns:a14="http://schemas.microsoft.com/office/drawing/2010/main" w="9525">
                 <a:solidFill>
                   <a:schemeClr val="tx1"/>
                 </a:solidFill>
@@ -4271,7 +4271,7 @@
               </a14:hiddenLine>
             </a:ext>
             <a:ext uri="{AF507438-7753-43E0-B8FC-AC1667EBCBE1}">
-              <a14:hiddenEffects xmlns:a14="http://schemas.microsoft.com/office/drawing/2010/main" xmlns="">
+              <a14:hiddenEffects xmlns="" xmlns:a14="http://schemas.microsoft.com/office/drawing/2010/main">
                 <a:effectLst>
                   <a:outerShdw dist="35921" dir="2700000" algn="ctr" rotWithShape="0">
                     <a:schemeClr val="bg2"/>
@@ -4294,7 +4294,7 @@
           <a:blip r:embed="rId10">
             <a:extLst>
               <a:ext uri="{BEBA8EAE-BF5A-486C-A8C5-ECC9F3942E4B}">
-                <a14:imgProps xmlns:a14="http://schemas.microsoft.com/office/drawing/2010/main" xmlns="">
+                <a14:imgProps xmlns="" xmlns:a14="http://schemas.microsoft.com/office/drawing/2010/main">
                   <a14:imgLayer r:embed="rId11">
                     <a14:imgEffect>
                       <a14:brightnessContrast bright="20000"/>
@@ -4303,7 +4303,7 @@
                 </a14:imgProps>
               </a:ext>
               <a:ext uri="{28A0092B-C50C-407E-A947-70E740481C1C}">
-                <a14:useLocalDpi xmlns:a14="http://schemas.microsoft.com/office/drawing/2010/main" xmlns=""/>
+                <a14:useLocalDpi xmlns="" xmlns:a14="http://schemas.microsoft.com/office/drawing/2010/main"/>
               </a:ext>
             </a:extLst>
           </a:blip>
@@ -4331,7 +4331,7 @@
           </a:effectLst>
           <a:extLst>
             <a:ext uri="{909E8E84-426E-40DD-AFC4-6F175D3DCCD1}">
-              <a14:hiddenFill xmlns:a14="http://schemas.microsoft.com/office/drawing/2010/main" xmlns="">
+              <a14:hiddenFill xmlns="" xmlns:a14="http://schemas.microsoft.com/office/drawing/2010/main">
                 <a:solidFill>
                   <a:srgbClr val="FFFFFF"/>
                 </a:solidFill>
@@ -4343,7 +4343,7 @@
     </p:spTree>
     <p:extLst>
       <p:ext uri="{BB962C8B-B14F-4D97-AF65-F5344CB8AC3E}">
-        <p14:creationId xmlns:p14="http://schemas.microsoft.com/office/powerpoint/2010/main" xmlns="" val="543298816"/>
+        <p14:creationId xmlns="" xmlns:p14="http://schemas.microsoft.com/office/powerpoint/2010/main" val="543298816"/>
       </p:ext>
     </p:extLst>
   </p:cSld>
@@ -4871,7 +4871,7 @@
         <p:spPr>
           <a:xfrm>
             <a:off x="228600" y="556537"/>
-            <a:ext cx="8686800" cy="2607168"/>
+            <a:ext cx="8686800" cy="2431592"/>
           </a:xfrm>
         </p:spPr>
         <p:txBody>
@@ -4905,35 +4905,36 @@
               </a:lnSpc>
             </a:pPr>
             <a:r>
-              <a:rPr lang="en-US" sz="2600" dirty="0"/>
+              <a:rPr lang="en-US" sz="2600"/>
               <a:t>At</a:t>
             </a:r>
             <a:r>
-              <a:rPr lang="en-US" sz="2400" dirty="0" smtClean="0"/>
+              <a:rPr lang="en-US" sz="2400" smtClean="0"/>
               <a:t> </a:t>
             </a:r>
             <a:r>
-              <a:rPr lang="en-US" sz="2400" dirty="0" smtClean="0">
+              <a:rPr lang="en-US" sz="2400" smtClean="0">
                 <a:hlinkClick r:id="rId2"/>
               </a:rPr>
               <a:t>http</a:t>
             </a:r>
             <a:r>
-              <a:rPr lang="en-US" sz="2400" dirty="0">
+              <a:rPr lang="en-US" sz="2400" smtClean="0">
                 <a:hlinkClick r:id="rId2"/>
               </a:rPr>
-              <a:t>://www.html5canvastutorials.com/kineticjs/html5-canvas-events-tutorials-introduction-with-kineticjs</a:t>
-            </a:r>
-            <a:r>
-              <a:rPr lang="en-US" sz="2400" dirty="0" smtClean="0">
+              <a:t>://</a:t>
+            </a:r>
+            <a:r>
+              <a:rPr lang="en-US" sz="2400" smtClean="0">
                 <a:hlinkClick r:id="rId2"/>
               </a:rPr>
-              <a:t>/</a:t>
-            </a:r>
-            <a:r>
-              <a:rPr lang="en-US" sz="2400" dirty="0" smtClean="0"/>
+              <a:t>www.html5canvastutorials.com/category/kineticjs/</a:t>
+            </a:r>
+            <a:r>
+              <a:rPr lang="en-US" sz="2400" smtClean="0"/>
               <a:t> </a:t>
             </a:r>
+            <a:endParaRPr lang="en-US" sz="2400" dirty="0" smtClean="0"/>
           </a:p>
           <a:p>
             <a:pPr marL="514350" lvl="1" indent="-338138">
@@ -4971,7 +4972,7 @@
         </p:nvSpPr>
         <p:spPr>
           <a:xfrm>
-            <a:off x="228600" y="3465773"/>
+            <a:off x="228600" y="3237181"/>
             <a:ext cx="4103703" cy="2862322"/>
           </a:xfrm>
           <a:prstGeom prst="rect">
@@ -5375,7 +5376,7 @@
         </p:blipFill>
         <p:spPr>
           <a:xfrm>
-            <a:off x="4527612" y="3465773"/>
+            <a:off x="4527612" y="3237181"/>
             <a:ext cx="4279038" cy="2862322"/>
           </a:xfrm>
           <a:prstGeom prst="roundRect">
@@ -5398,7 +5399,7 @@
     </p:spTree>
     <p:extLst>
       <p:ext uri="{BB962C8B-B14F-4D97-AF65-F5344CB8AC3E}">
-        <p14:creationId xmlns:p14="http://schemas.microsoft.com/office/powerpoint/2010/main" xmlns="" val="3968084375"/>
+        <p14:creationId xmlns="" xmlns:p14="http://schemas.microsoft.com/office/powerpoint/2010/main" val="3968084375"/>
       </p:ext>
     </p:extLst>
   </p:cSld>
@@ -5731,7 +5732,7 @@
   <a:extraClrSchemeLst/>
   <a:extLst>
     <a:ext uri="{05A4C25C-085E-4340-85A3-A5531E510DB2}">
-      <thm15:themeFamily xmlns:thm15="http://schemas.microsoft.com/office/thememl/2012/main" xmlns="" name="Telerik Academy theme" id="{2620D71C-A5FD-46E0-A488-16D4CF22AEE2}" vid="{F028A4D3-6851-4D6D-A82D-72CBFB9A818D}"/>
+      <thm15:themeFamily xmlns="" xmlns:thm15="http://schemas.microsoft.com/office/thememl/2012/main" name="Telerik Academy theme" id="{2620D71C-A5FD-46E0-A488-16D4CF22AEE2}" vid="{F028A4D3-6851-4D6D-A82D-72CBFB9A818D}"/>
     </a:ext>
   </a:extLst>
 </a:theme>
